--- a/과제3-4사이 추가과제/추가 과제 피드백.pptx
+++ b/과제3-4사이 추가과제/추가 과제 피드백.pptx
@@ -13,6 +13,8 @@
     <p:sldId id="261" r:id="rId7"/>
     <p:sldId id="262" r:id="rId8"/>
     <p:sldId id="263" r:id="rId9"/>
+    <p:sldId id="264" r:id="rId10"/>
+    <p:sldId id="265" r:id="rId11"/>
   </p:sldIdLst>
   <p:sldSz cx="12192000" cy="6858000"/>
   <p:notesSz cx="6858000" cy="9144000"/>
@@ -111,6 +113,11 @@
       </a:defRPr>
     </a:lvl9pPr>
   </p:defaultTextStyle>
+  <p:extLst>
+    <p:ext uri="{EFAFB233-063F-42B5-8137-9DF3F51BA10A}">
+      <p15:sldGuideLst xmlns:p15="http://schemas.microsoft.com/office/powerpoint/2012/main"/>
+    </p:ext>
+  </p:extLst>
 </p:presentation>
 </file>
 
@@ -3360,6 +3367,209 @@
     <p:extLst>
       <p:ext uri="{BB962C8B-B14F-4D97-AF65-F5344CB8AC3E}">
         <p14:creationId xmlns:p14="http://schemas.microsoft.com/office/powerpoint/2010/main" val="4058133419"/>
+      </p:ext>
+    </p:extLst>
+  </p:cSld>
+  <p:clrMapOvr>
+    <a:masterClrMapping/>
+  </p:clrMapOvr>
+</p:sld>
+</file>
+
+<file path=ppt/slides/slide10.xml><?xml version="1.0" encoding="utf-8"?>
+<p:sld xmlns:a="http://schemas.openxmlformats.org/drawingml/2006/main" xmlns:r="http://schemas.openxmlformats.org/officeDocument/2006/relationships" xmlns:p="http://schemas.openxmlformats.org/presentationml/2006/main">
+  <p:cSld>
+    <p:spTree>
+      <p:nvGrpSpPr>
+        <p:cNvPr id="1" name=""/>
+        <p:cNvGrpSpPr/>
+        <p:nvPr/>
+      </p:nvGrpSpPr>
+      <p:grpSpPr>
+        <a:xfrm>
+          <a:off x="0" y="0"/>
+          <a:ext cx="0" cy="0"/>
+          <a:chOff x="0" y="0"/>
+          <a:chExt cx="0" cy="0"/>
+        </a:xfrm>
+      </p:grpSpPr>
+      <p:sp>
+        <p:nvSpPr>
+          <p:cNvPr id="4" name="TextBox 3">
+            <a:extLst>
+              <a:ext uri="{FF2B5EF4-FFF2-40B4-BE49-F238E27FC236}">
+                <a16:creationId xmlns:a16="http://schemas.microsoft.com/office/drawing/2014/main" id="{EEF32779-C332-48EC-8DD4-047EADB7E487}"/>
+              </a:ext>
+            </a:extLst>
+          </p:cNvPr>
+          <p:cNvSpPr txBox="1"/>
+          <p:nvPr/>
+        </p:nvSpPr>
+        <p:spPr>
+          <a:xfrm>
+            <a:off x="405353" y="414779"/>
+            <a:ext cx="5577526" cy="707886"/>
+          </a:xfrm>
+          <a:prstGeom prst="rect">
+            <a:avLst/>
+          </a:prstGeom>
+          <a:noFill/>
+        </p:spPr>
+        <p:txBody>
+          <a:bodyPr wrap="square" rtlCol="0">
+            <a:spAutoFit/>
+          </a:bodyPr>
+          <a:lstStyle/>
+          <a:p>
+            <a:r>
+              <a:rPr lang="ko-KR" altLang="en-US" sz="4000" dirty="0"/>
+              <a:t>피드백 적용 </a:t>
+            </a:r>
+            <a:r>
+              <a:rPr lang="en-US" altLang="ko-KR" sz="4000" dirty="0"/>
+              <a:t>DB</a:t>
+            </a:r>
+            <a:r>
+              <a:rPr lang="ko-KR" altLang="en-US" sz="4000" dirty="0"/>
+              <a:t>설계</a:t>
+            </a:r>
+          </a:p>
+        </p:txBody>
+      </p:sp>
+      <p:sp>
+        <p:nvSpPr>
+          <p:cNvPr id="5" name="TextBox 4">
+            <a:extLst>
+              <a:ext uri="{FF2B5EF4-FFF2-40B4-BE49-F238E27FC236}">
+                <a16:creationId xmlns:a16="http://schemas.microsoft.com/office/drawing/2014/main" id="{C9490CFF-B4B9-466A-85D8-80EA4BCBA409}"/>
+              </a:ext>
+            </a:extLst>
+          </p:cNvPr>
+          <p:cNvSpPr txBox="1"/>
+          <p:nvPr/>
+        </p:nvSpPr>
+        <p:spPr>
+          <a:xfrm>
+            <a:off x="546755" y="1443177"/>
+            <a:ext cx="11538407" cy="646331"/>
+          </a:xfrm>
+          <a:prstGeom prst="rect">
+            <a:avLst/>
+          </a:prstGeom>
+          <a:noFill/>
+        </p:spPr>
+        <p:txBody>
+          <a:bodyPr wrap="square" rtlCol="0">
+            <a:spAutoFit/>
+          </a:bodyPr>
+          <a:lstStyle/>
+          <a:p>
+            <a:r>
+              <a:rPr lang="en-US" altLang="ko-KR" dirty="0"/>
+              <a:t>Trigger</a:t>
+            </a:r>
+            <a:r>
+              <a:rPr lang="ko-KR" altLang="en-US" dirty="0"/>
+              <a:t>있는 부분 </a:t>
+            </a:r>
+            <a:r>
+              <a:rPr lang="en-US" altLang="ko-KR" dirty="0"/>
+              <a:t>– </a:t>
+            </a:r>
+            <a:r>
+              <a:rPr lang="ko-KR" altLang="en-US" dirty="0"/>
+              <a:t>모두 </a:t>
+            </a:r>
+            <a:r>
+              <a:rPr lang="ko-KR" altLang="en-US" dirty="0" err="1"/>
+              <a:t>지워버림</a:t>
+            </a:r>
+            <a:r>
+              <a:rPr lang="en-US" altLang="ko-KR" dirty="0"/>
+              <a:t>(</a:t>
+            </a:r>
+            <a:r>
+              <a:rPr lang="ko-KR" altLang="en-US" dirty="0"/>
+              <a:t>개발 소스에서 처리할 것</a:t>
+            </a:r>
+            <a:r>
+              <a:rPr lang="en-US" altLang="ko-KR" dirty="0"/>
+              <a:t>)</a:t>
+            </a:r>
+          </a:p>
+          <a:p>
+            <a:r>
+              <a:rPr lang="ko-KR" altLang="en-US" dirty="0"/>
+              <a:t>도서부분에 </a:t>
+            </a:r>
+            <a:r>
+              <a:rPr lang="en-US" altLang="ko-KR" dirty="0"/>
+              <a:t>PK</a:t>
+            </a:r>
+            <a:r>
+              <a:rPr lang="ko-KR" altLang="en-US" dirty="0"/>
+              <a:t>키를 늘리고</a:t>
+            </a:r>
+            <a:r>
+              <a:rPr lang="en-US" altLang="ko-KR" dirty="0"/>
+              <a:t>, </a:t>
+            </a:r>
+            <a:r>
+              <a:rPr lang="ko-KR" altLang="en-US" dirty="0"/>
+              <a:t>저자의 경우 대표 저자와 기타 저자로 나눔 하지만 제</a:t>
+            </a:r>
+            <a:r>
+              <a:rPr lang="en-US" altLang="ko-KR" dirty="0"/>
+              <a:t>3</a:t>
+            </a:r>
+            <a:r>
+              <a:rPr lang="ko-KR" altLang="en-US" dirty="0"/>
+              <a:t>정규화까지 가지 않음</a:t>
+            </a:r>
+            <a:endParaRPr lang="en-US" altLang="ko-KR" dirty="0"/>
+          </a:p>
+        </p:txBody>
+      </p:sp>
+      <p:pic>
+        <p:nvPicPr>
+          <p:cNvPr id="7" name="그림 6">
+            <a:extLst>
+              <a:ext uri="{FF2B5EF4-FFF2-40B4-BE49-F238E27FC236}">
+                <a16:creationId xmlns:a16="http://schemas.microsoft.com/office/drawing/2014/main" id="{7C37EF84-A59E-4475-BCA1-38D2FEE2DEB4}"/>
+              </a:ext>
+            </a:extLst>
+          </p:cNvPr>
+          <p:cNvPicPr>
+            <a:picLocks noChangeAspect="1"/>
+          </p:cNvPicPr>
+          <p:nvPr/>
+        </p:nvPicPr>
+        <p:blipFill>
+          <a:blip r:embed="rId2">
+            <a:extLst>
+              <a:ext uri="{28A0092B-C50C-407E-A947-70E740481C1C}">
+                <a14:useLocalDpi xmlns:a14="http://schemas.microsoft.com/office/drawing/2010/main" val="0"/>
+              </a:ext>
+            </a:extLst>
+          </a:blip>
+          <a:stretch>
+            <a:fillRect/>
+          </a:stretch>
+        </p:blipFill>
+        <p:spPr>
+          <a:xfrm>
+            <a:off x="0" y="2728064"/>
+            <a:ext cx="12192000" cy="3607744"/>
+          </a:xfrm>
+          <a:prstGeom prst="rect">
+            <a:avLst/>
+          </a:prstGeom>
+        </p:spPr>
+      </p:pic>
+    </p:spTree>
+    <p:extLst>
+      <p:ext uri="{BB962C8B-B14F-4D97-AF65-F5344CB8AC3E}">
+        <p14:creationId xmlns:p14="http://schemas.microsoft.com/office/powerpoint/2010/main" val="2648918891"/>
       </p:ext>
     </p:extLst>
   </p:cSld>
@@ -7114,6 +7324,209 @@
 </p:sld>
 </file>
 
+<file path=ppt/slides/slide9.xml><?xml version="1.0" encoding="utf-8"?>
+<p:sld xmlns:a="http://schemas.openxmlformats.org/drawingml/2006/main" xmlns:r="http://schemas.openxmlformats.org/officeDocument/2006/relationships" xmlns:p="http://schemas.openxmlformats.org/presentationml/2006/main">
+  <p:cSld>
+    <p:spTree>
+      <p:nvGrpSpPr>
+        <p:cNvPr id="1" name=""/>
+        <p:cNvGrpSpPr/>
+        <p:nvPr/>
+      </p:nvGrpSpPr>
+      <p:grpSpPr>
+        <a:xfrm>
+          <a:off x="0" y="0"/>
+          <a:ext cx="0" cy="0"/>
+          <a:chOff x="0" y="0"/>
+          <a:chExt cx="0" cy="0"/>
+        </a:xfrm>
+      </p:grpSpPr>
+      <p:sp>
+        <p:nvSpPr>
+          <p:cNvPr id="4" name="TextBox 3">
+            <a:extLst>
+              <a:ext uri="{FF2B5EF4-FFF2-40B4-BE49-F238E27FC236}">
+                <a16:creationId xmlns:a16="http://schemas.microsoft.com/office/drawing/2014/main" id="{EEF32779-C332-48EC-8DD4-047EADB7E487}"/>
+              </a:ext>
+            </a:extLst>
+          </p:cNvPr>
+          <p:cNvSpPr txBox="1"/>
+          <p:nvPr/>
+        </p:nvSpPr>
+        <p:spPr>
+          <a:xfrm>
+            <a:off x="405353" y="414779"/>
+            <a:ext cx="5577526" cy="707886"/>
+          </a:xfrm>
+          <a:prstGeom prst="rect">
+            <a:avLst/>
+          </a:prstGeom>
+          <a:noFill/>
+        </p:spPr>
+        <p:txBody>
+          <a:bodyPr wrap="square" rtlCol="0">
+            <a:spAutoFit/>
+          </a:bodyPr>
+          <a:lstStyle/>
+          <a:p>
+            <a:r>
+              <a:rPr lang="ko-KR" altLang="en-US" sz="4000" dirty="0"/>
+              <a:t>피드백 적용 </a:t>
+            </a:r>
+            <a:r>
+              <a:rPr lang="en-US" altLang="ko-KR" sz="4000" dirty="0"/>
+              <a:t>DB</a:t>
+            </a:r>
+            <a:r>
+              <a:rPr lang="ko-KR" altLang="en-US" sz="4000" dirty="0"/>
+              <a:t>설계</a:t>
+            </a:r>
+          </a:p>
+        </p:txBody>
+      </p:sp>
+      <p:sp>
+        <p:nvSpPr>
+          <p:cNvPr id="5" name="TextBox 4">
+            <a:extLst>
+              <a:ext uri="{FF2B5EF4-FFF2-40B4-BE49-F238E27FC236}">
+                <a16:creationId xmlns:a16="http://schemas.microsoft.com/office/drawing/2014/main" id="{C9490CFF-B4B9-466A-85D8-80EA4BCBA409}"/>
+              </a:ext>
+            </a:extLst>
+          </p:cNvPr>
+          <p:cNvSpPr txBox="1"/>
+          <p:nvPr/>
+        </p:nvSpPr>
+        <p:spPr>
+          <a:xfrm>
+            <a:off x="546755" y="1443177"/>
+            <a:ext cx="11538407" cy="646331"/>
+          </a:xfrm>
+          <a:prstGeom prst="rect">
+            <a:avLst/>
+          </a:prstGeom>
+          <a:noFill/>
+        </p:spPr>
+        <p:txBody>
+          <a:bodyPr wrap="square" rtlCol="0">
+            <a:spAutoFit/>
+          </a:bodyPr>
+          <a:lstStyle/>
+          <a:p>
+            <a:r>
+              <a:rPr lang="en-US" altLang="ko-KR" dirty="0"/>
+              <a:t>Trigger</a:t>
+            </a:r>
+            <a:r>
+              <a:rPr lang="ko-KR" altLang="en-US" dirty="0"/>
+              <a:t>있는 부분 </a:t>
+            </a:r>
+            <a:r>
+              <a:rPr lang="en-US" altLang="ko-KR" dirty="0"/>
+              <a:t>– </a:t>
+            </a:r>
+            <a:r>
+              <a:rPr lang="ko-KR" altLang="en-US" dirty="0"/>
+              <a:t>모두 </a:t>
+            </a:r>
+            <a:r>
+              <a:rPr lang="ko-KR" altLang="en-US" dirty="0" err="1"/>
+              <a:t>지워버림</a:t>
+            </a:r>
+            <a:r>
+              <a:rPr lang="en-US" altLang="ko-KR" dirty="0"/>
+              <a:t>(</a:t>
+            </a:r>
+            <a:r>
+              <a:rPr lang="ko-KR" altLang="en-US" dirty="0"/>
+              <a:t>개발 소스에서 처리할 것</a:t>
+            </a:r>
+            <a:r>
+              <a:rPr lang="en-US" altLang="ko-KR" dirty="0"/>
+              <a:t>)</a:t>
+            </a:r>
+          </a:p>
+          <a:p>
+            <a:r>
+              <a:rPr lang="ko-KR" altLang="en-US" dirty="0"/>
+              <a:t>도서부분에 </a:t>
+            </a:r>
+            <a:r>
+              <a:rPr lang="en-US" altLang="ko-KR" dirty="0"/>
+              <a:t>PK</a:t>
+            </a:r>
+            <a:r>
+              <a:rPr lang="ko-KR" altLang="en-US" dirty="0"/>
+              <a:t>키를 늘리고</a:t>
+            </a:r>
+            <a:r>
+              <a:rPr lang="en-US" altLang="ko-KR" dirty="0"/>
+              <a:t>, </a:t>
+            </a:r>
+            <a:r>
+              <a:rPr lang="ko-KR" altLang="en-US" dirty="0"/>
+              <a:t>저자의 경우 대표 저자와 기타 저자로 나눔 하지만 제</a:t>
+            </a:r>
+            <a:r>
+              <a:rPr lang="en-US" altLang="ko-KR" dirty="0"/>
+              <a:t>3</a:t>
+            </a:r>
+            <a:r>
+              <a:rPr lang="ko-KR" altLang="en-US" dirty="0"/>
+              <a:t>정규화까지 가지 않음</a:t>
+            </a:r>
+            <a:endParaRPr lang="en-US" altLang="ko-KR" dirty="0"/>
+          </a:p>
+        </p:txBody>
+      </p:sp>
+      <p:pic>
+        <p:nvPicPr>
+          <p:cNvPr id="6" name="그림 5">
+            <a:extLst>
+              <a:ext uri="{FF2B5EF4-FFF2-40B4-BE49-F238E27FC236}">
+                <a16:creationId xmlns:a16="http://schemas.microsoft.com/office/drawing/2014/main" id="{D39839CB-78E5-42B0-9B85-3BD34EECB85A}"/>
+              </a:ext>
+            </a:extLst>
+          </p:cNvPr>
+          <p:cNvPicPr>
+            <a:picLocks noChangeAspect="1"/>
+          </p:cNvPicPr>
+          <p:nvPr/>
+        </p:nvPicPr>
+        <p:blipFill>
+          <a:blip r:embed="rId2">
+            <a:extLst>
+              <a:ext uri="{28A0092B-C50C-407E-A947-70E740481C1C}">
+                <a14:useLocalDpi xmlns:a14="http://schemas.microsoft.com/office/drawing/2010/main" val="0"/>
+              </a:ext>
+            </a:extLst>
+          </a:blip>
+          <a:stretch>
+            <a:fillRect/>
+          </a:stretch>
+        </p:blipFill>
+        <p:spPr>
+          <a:xfrm>
+            <a:off x="376237" y="3077026"/>
+            <a:ext cx="11439525" cy="2943225"/>
+          </a:xfrm>
+          <a:prstGeom prst="rect">
+            <a:avLst/>
+          </a:prstGeom>
+        </p:spPr>
+      </p:pic>
+    </p:spTree>
+    <p:extLst>
+      <p:ext uri="{BB962C8B-B14F-4D97-AF65-F5344CB8AC3E}">
+        <p14:creationId xmlns:p14="http://schemas.microsoft.com/office/powerpoint/2010/main" val="3519302424"/>
+      </p:ext>
+    </p:extLst>
+  </p:cSld>
+  <p:clrMapOvr>
+    <a:masterClrMapping/>
+  </p:clrMapOvr>
+</p:sld>
+</file>
+
 <file path=ppt/theme/theme1.xml><?xml version="1.0" encoding="utf-8"?>
 <a:theme xmlns:a="http://schemas.openxmlformats.org/drawingml/2006/main" name="Office 테마">
   <a:themeElements>
